--- a/ppt/算法讲解138【扩展】01分数规划.pptx
+++ b/ppt/算法讲解138【扩展】01分数规划.pptx
@@ -5809,7 +5809,7 @@
               </a:defRPr>
             </a:pPr>
             <a:r>
-              <a:t>现在想把所有村庄联通起来，希望修路的条数尽量少，同时希望让</a:t>
+              <a:t>现在想把所有村庄连通起来，希望修路的条数尽量少，同时希望让</a:t>
             </a:r>
           </a:p>
           <a:p>
